--- a/2024-SUM/Week06.pptx
+++ b/2024-SUM/Week06.pptx
@@ -3415,15 +3415,18 @@
                   </a:schemeClr>
                 </a:solidFill>
               </a:rPr>
-              <a:t>: 2023-06-26 to 07-02</a:t>
-            </a:r>
-            <a:endParaRPr lang="en-US" dirty="0">
-              <a:solidFill>
-                <a:schemeClr val="accent1">
-                  <a:lumMod val="50000"/>
-                </a:schemeClr>
-              </a:solidFill>
-            </a:endParaRPr>
+              <a:t>: 2024-06-26 </a:t>
+            </a:r>
+            <a:r>
+              <a:rPr lang="en-US" dirty="0">
+                <a:solidFill>
+                  <a:schemeClr val="accent1">
+                    <a:lumMod val="50000"/>
+                  </a:schemeClr>
+                </a:solidFill>
+              </a:rPr>
+              <a:t>to 07-02</a:t>
+            </a:r>
           </a:p>
           <a:p>
             <a:r>
